--- a/homework/23&Me/23 & Me Variant Analysis.pptx
+++ b/homework/23&Me/23 & Me Variant Analysis.pptx
@@ -25113,13 +25113,8 @@
           <a:p>
             <a:r>
               <a:rPr lang="en-US" dirty="0"/>
-              <a:t>Physiology of </a:t>
+              <a:t>Physiology of APOE</a:t>
             </a:r>
-            <a:r>
-              <a:rPr lang="en-US" dirty="0" err="1"/>
-              <a:t>apoE</a:t>
-            </a:r>
-            <a:endParaRPr lang="en-US" dirty="0"/>
           </a:p>
           <a:p>
             <a:r>
@@ -43708,12 +43703,12 @@
           <a:lstStyle/>
           <a:p>
             <a:r>
-              <a:rPr lang="en-US" sz="6800">
+              <a:rPr lang="en-US" sz="6800" dirty="0">
                 <a:solidFill>
                   <a:srgbClr val="FFFFFF"/>
                 </a:solidFill>
               </a:rPr>
-              <a:t>Last Wishes Conversation</a:t>
+              <a:t>End of Life Care Conversation</a:t>
             </a:r>
           </a:p>
         </p:txBody>
